--- a/使用手冊.pptx
+++ b/使用手冊.pptx
@@ -14,6 +14,7 @@
     <p:sldId id="261" r:id="rId8"/>
     <p:sldId id="264" r:id="rId9"/>
     <p:sldId id="265" r:id="rId10"/>
+    <p:sldId id="266" r:id="rId11"/>
   </p:sldIdLst>
   <p:sldSz cx="12192000" cy="6858000"/>
   <p:notesSz cx="6858000" cy="9144000"/>
@@ -112,6 +113,41 @@
       </a:defRPr>
     </a:lvl9pPr>
   </p:defaultTextStyle>
+  <p:extLst>
+    <p:ext uri="{521415D9-36F7-43E2-AB2F-B90AF26B5E84}">
+      <p14:sectionLst xmlns:p14="http://schemas.microsoft.com/office/powerpoint/2010/main">
+        <p14:section name="預設章節" id="{4652B69C-27CB-420F-AE39-8F07603869F6}">
+          <p14:sldIdLst>
+            <p14:sldId id="256"/>
+            <p14:sldId id="262"/>
+          </p14:sldIdLst>
+        </p14:section>
+        <p14:section name="匯入table" id="{D82ACEC5-1566-493E-8852-A4EAB14CB8B3}">
+          <p14:sldIdLst>
+            <p14:sldId id="257"/>
+            <p14:sldId id="258"/>
+            <p14:sldId id="259"/>
+            <p14:sldId id="260"/>
+          </p14:sldIdLst>
+        </p14:section>
+        <p14:section name="加入網頁檔案" id="{7EB2DAA3-DB33-4D79-B3AF-E5BC477830AC}">
+          <p14:sldIdLst>
+            <p14:sldId id="261"/>
+            <p14:sldId id="264"/>
+          </p14:sldIdLst>
+        </p14:section>
+        <p14:section name="系統內部構造" id="{5A81715D-B5E2-4178-9CE6-BB591647C14B}">
+          <p14:sldIdLst>
+            <p14:sldId id="265"/>
+            <p14:sldId id="266"/>
+          </p14:sldIdLst>
+        </p14:section>
+      </p14:sectionLst>
+    </p:ext>
+    <p:ext uri="{EFAFB233-063F-42B5-8137-9DF3F51BA10A}">
+      <p15:sldGuideLst xmlns:p15="http://schemas.microsoft.com/office/powerpoint/2012/main"/>
+    </p:ext>
+  </p:extLst>
 </p:presentation>
 </file>
 
@@ -3427,7 +3463,7 @@
                 <a:latin typeface="Times New Roman" panose="02020603050405020304" pitchFamily="18" charset="0"/>
                 <a:ea typeface="標楷體" panose="03000509000000000000" pitchFamily="65" charset="-120"/>
               </a:rPr>
-              <a:t>:2023/03/12</a:t>
+              <a:t>:2023/03/13</a:t>
             </a:r>
             <a:endParaRPr lang="zh-TW" altLang="en-US" dirty="0">
               <a:latin typeface="Times New Roman" panose="02020603050405020304" pitchFamily="18" charset="0"/>
@@ -3440,6 +3476,95 @@
     <p:extLst>
       <p:ext uri="{BB962C8B-B14F-4D97-AF65-F5344CB8AC3E}">
         <p14:creationId xmlns:p14="http://schemas.microsoft.com/office/powerpoint/2010/main" val="2638143311"/>
+      </p:ext>
+    </p:extLst>
+  </p:cSld>
+  <p:clrMapOvr>
+    <a:masterClrMapping/>
+  </p:clrMapOvr>
+</p:sld>
+</file>
+
+<file path=ppt/slides/slide10.xml><?xml version="1.0" encoding="utf-8"?>
+<p:sld xmlns:a="http://schemas.openxmlformats.org/drawingml/2006/main" xmlns:r="http://schemas.openxmlformats.org/officeDocument/2006/relationships" xmlns:p="http://schemas.openxmlformats.org/presentationml/2006/main">
+  <p:cSld>
+    <p:spTree>
+      <p:nvGrpSpPr>
+        <p:cNvPr id="1" name=""/>
+        <p:cNvGrpSpPr/>
+        <p:nvPr/>
+      </p:nvGrpSpPr>
+      <p:grpSpPr>
+        <a:xfrm>
+          <a:off x="0" y="0"/>
+          <a:ext cx="0" cy="0"/>
+          <a:chOff x="0" y="0"/>
+          <a:chExt cx="0" cy="0"/>
+        </a:xfrm>
+      </p:grpSpPr>
+      <p:sp>
+        <p:nvSpPr>
+          <p:cNvPr id="2" name="標題 1">
+            <a:extLst>
+              <a:ext uri="{FF2B5EF4-FFF2-40B4-BE49-F238E27FC236}">
+                <a16:creationId xmlns:a16="http://schemas.microsoft.com/office/drawing/2014/main" id="{6D372A48-4062-575B-7E55-A08107FD4609}"/>
+              </a:ext>
+            </a:extLst>
+          </p:cNvPr>
+          <p:cNvSpPr>
+            <a:spLocks noGrp="1"/>
+          </p:cNvSpPr>
+          <p:nvPr>
+            <p:ph type="title"/>
+          </p:nvPr>
+        </p:nvSpPr>
+        <p:spPr/>
+        <p:txBody>
+          <a:bodyPr/>
+          <a:lstStyle/>
+          <a:p>
+            <a:r>
+              <a:rPr lang="zh-TW" altLang="en-US" dirty="0">
+                <a:latin typeface="Times New Roman" panose="02020603050405020304" pitchFamily="18" charset="0"/>
+                <a:ea typeface="標楷體" panose="03000509000000000000" pitchFamily="65" charset="-120"/>
+              </a:rPr>
+              <a:t>結束</a:t>
+            </a:r>
+          </a:p>
+        </p:txBody>
+      </p:sp>
+      <p:sp>
+        <p:nvSpPr>
+          <p:cNvPr id="3" name="內容版面配置區 2">
+            <a:extLst>
+              <a:ext uri="{FF2B5EF4-FFF2-40B4-BE49-F238E27FC236}">
+                <a16:creationId xmlns:a16="http://schemas.microsoft.com/office/drawing/2014/main" id="{DE551000-17D1-CA5F-DD7C-52EC55E234DD}"/>
+              </a:ext>
+            </a:extLst>
+          </p:cNvPr>
+          <p:cNvSpPr>
+            <a:spLocks noGrp="1"/>
+          </p:cNvSpPr>
+          <p:nvPr>
+            <p:ph idx="1"/>
+          </p:nvPr>
+        </p:nvSpPr>
+        <p:spPr/>
+        <p:txBody>
+          <a:bodyPr/>
+          <a:lstStyle/>
+          <a:p>
+            <a:endParaRPr lang="zh-TW" altLang="en-US" dirty="0">
+              <a:latin typeface="Times New Roman" panose="02020603050405020304" pitchFamily="18" charset="0"/>
+              <a:ea typeface="標楷體" panose="03000509000000000000" pitchFamily="65" charset="-120"/>
+            </a:endParaRPr>
+          </a:p>
+        </p:txBody>
+      </p:sp>
+    </p:spTree>
+    <p:extLst>
+      <p:ext uri="{BB962C8B-B14F-4D97-AF65-F5344CB8AC3E}">
+        <p14:creationId xmlns:p14="http://schemas.microsoft.com/office/powerpoint/2010/main" val="751052085"/>
       </p:ext>
     </p:extLst>
   </p:cSld>
@@ -3714,10 +3839,15 @@
               </a:rPr>
               <a:t>Apache</a:t>
             </a:r>
-            <a:endParaRPr lang="zh-TW" altLang="en-US" dirty="0">
-              <a:latin typeface="Times New Roman" panose="02020603050405020304" pitchFamily="18" charset="0"/>
-              <a:ea typeface="標楷體" panose="03000509000000000000" pitchFamily="65" charset="-120"/>
-            </a:endParaRPr>
+          </a:p>
+          <a:p>
+            <a:r>
+              <a:rPr lang="zh-TW" altLang="en-US" dirty="0">
+                <a:latin typeface="Times New Roman" panose="02020603050405020304" pitchFamily="18" charset="0"/>
+                <a:ea typeface="標楷體" panose="03000509000000000000" pitchFamily="65" charset="-120"/>
+              </a:rPr>
+              <a:t>系統內部構造</a:t>
+            </a:r>
           </a:p>
         </p:txBody>
       </p:sp>
@@ -6203,10 +6333,15 @@
               </a:rPr>
               <a:t>http://localhost/htmlPhp/loginPage.php</a:t>
             </a:r>
-            <a:endParaRPr lang="zh-TW" altLang="en-US" dirty="0">
-              <a:latin typeface="Times New Roman" panose="02020603050405020304" pitchFamily="18" charset="0"/>
-              <a:ea typeface="標楷體" panose="03000509000000000000" pitchFamily="65" charset="-120"/>
-            </a:endParaRPr>
+          </a:p>
+          <a:p>
+            <a:r>
+              <a:rPr lang="zh-TW" altLang="en-US" dirty="0">
+                <a:latin typeface="Times New Roman" panose="02020603050405020304" pitchFamily="18" charset="0"/>
+                <a:ea typeface="標楷體" panose="03000509000000000000" pitchFamily="65" charset="-120"/>
+              </a:rPr>
+              <a:t>結束</a:t>
+            </a:r>
           </a:p>
         </p:txBody>
       </p:sp>
@@ -6270,6 +6405,41 @@
           <a:chExt cx="0" cy="0"/>
         </a:xfrm>
       </p:grpSpPr>
+      <p:pic>
+        <p:nvPicPr>
+          <p:cNvPr id="16" name="內容版面配置區 15">
+            <a:extLst>
+              <a:ext uri="{FF2B5EF4-FFF2-40B4-BE49-F238E27FC236}">
+                <a16:creationId xmlns:a16="http://schemas.microsoft.com/office/drawing/2014/main" id="{001CAC68-D23C-2403-FB20-04A405F5368A}"/>
+              </a:ext>
+            </a:extLst>
+          </p:cNvPr>
+          <p:cNvPicPr>
+            <a:picLocks noGrp="1" noChangeAspect="1"/>
+          </p:cNvPicPr>
+          <p:nvPr>
+            <p:ph idx="1"/>
+          </p:nvPr>
+        </p:nvPicPr>
+        <p:blipFill>
+          <a:blip r:embed="rId2">
+            <a:extLst>
+              <a:ext uri="{28A0092B-C50C-407E-A947-70E740481C1C}">
+                <a14:useLocalDpi xmlns:a14="http://schemas.microsoft.com/office/drawing/2010/main" val="0"/>
+              </a:ext>
+            </a:extLst>
+          </a:blip>
+          <a:stretch>
+            <a:fillRect/>
+          </a:stretch>
+        </p:blipFill>
+        <p:spPr>
+          <a:xfrm>
+            <a:off x="1515035" y="1280572"/>
+            <a:ext cx="8265459" cy="5560689"/>
+          </a:xfrm>
+        </p:spPr>
+      </p:pic>
       <p:sp>
         <p:nvSpPr>
           <p:cNvPr id="2" name="標題 1">
@@ -6291,38 +6461,209 @@
           <a:bodyPr/>
           <a:lstStyle/>
           <a:p>
-            <a:endParaRPr lang="zh-TW" altLang="en-US" dirty="0">
+            <a:r>
+              <a:rPr lang="zh-TW" altLang="en-US" dirty="0">
+                <a:latin typeface="Times New Roman" panose="02020603050405020304" pitchFamily="18" charset="0"/>
+                <a:ea typeface="標楷體" panose="03000509000000000000" pitchFamily="65" charset="-120"/>
+              </a:rPr>
+              <a:t>系統內部構造</a:t>
+            </a:r>
+          </a:p>
+        </p:txBody>
+      </p:sp>
+      <p:sp>
+        <p:nvSpPr>
+          <p:cNvPr id="12" name="文字方塊 11">
+            <a:extLst>
+              <a:ext uri="{FF2B5EF4-FFF2-40B4-BE49-F238E27FC236}">
+                <a16:creationId xmlns:a16="http://schemas.microsoft.com/office/drawing/2014/main" id="{CB44D58E-4A16-2B8F-1672-863A99AFEA85}"/>
+              </a:ext>
+            </a:extLst>
+          </p:cNvPr>
+          <p:cNvSpPr txBox="1"/>
+          <p:nvPr/>
+        </p:nvSpPr>
+        <p:spPr>
+          <a:xfrm>
+            <a:off x="5880847" y="1339020"/>
+            <a:ext cx="4948518" cy="1200329"/>
+          </a:xfrm>
+          <a:prstGeom prst="rect">
+            <a:avLst/>
+          </a:prstGeom>
+          <a:noFill/>
+        </p:spPr>
+        <p:txBody>
+          <a:bodyPr wrap="square" rtlCol="0">
+            <a:spAutoFit/>
+          </a:bodyPr>
+          <a:lstStyle/>
+          <a:p>
+            <a:r>
+              <a:rPr lang="en-US" altLang="zh-TW" dirty="0" err="1">
+                <a:latin typeface="Times New Roman" panose="02020603050405020304" pitchFamily="18" charset="0"/>
+                <a:ea typeface="標楷體" panose="03000509000000000000" pitchFamily="65" charset="-120"/>
+              </a:rPr>
+              <a:t>loginpage,user,booking,join</a:t>
+            </a:r>
+            <a:r>
+              <a:rPr lang="en-US" altLang="zh-TW" dirty="0">
+                <a:latin typeface="Times New Roman" panose="02020603050405020304" pitchFamily="18" charset="0"/>
+                <a:ea typeface="標楷體" panose="03000509000000000000" pitchFamily="65" charset="-120"/>
+              </a:rPr>
+              <a:t>:</a:t>
+            </a:r>
+            <a:br>
+              <a:rPr lang="en-US" altLang="zh-TW" dirty="0">
+                <a:latin typeface="Times New Roman" panose="02020603050405020304" pitchFamily="18" charset="0"/>
+                <a:ea typeface="標楷體" panose="03000509000000000000" pitchFamily="65" charset="-120"/>
+              </a:rPr>
+            </a:br>
+            <a:r>
+              <a:rPr lang="zh-TW" altLang="en-US" dirty="0">
+                <a:latin typeface="Times New Roman" panose="02020603050405020304" pitchFamily="18" charset="0"/>
+                <a:ea typeface="標楷體" panose="03000509000000000000" pitchFamily="65" charset="-120"/>
+              </a:rPr>
+              <a:t>內含</a:t>
+            </a:r>
+            <a:r>
+              <a:rPr lang="en-US" altLang="zh-TW" dirty="0">
+                <a:latin typeface="Times New Roman" panose="02020603050405020304" pitchFamily="18" charset="0"/>
+                <a:ea typeface="標楷體" panose="03000509000000000000" pitchFamily="65" charset="-120"/>
+              </a:rPr>
+              <a:t>HTML</a:t>
+            </a:r>
+            <a:r>
+              <a:rPr lang="zh-TW" altLang="en-US" dirty="0">
+                <a:latin typeface="Times New Roman" panose="02020603050405020304" pitchFamily="18" charset="0"/>
+                <a:ea typeface="標楷體" panose="03000509000000000000" pitchFamily="65" charset="-120"/>
+              </a:rPr>
+              <a:t>格式，皆需要檢查是否已建立</a:t>
+            </a:r>
+            <a:r>
+              <a:rPr lang="en-US" altLang="zh-TW" dirty="0">
+                <a:latin typeface="Times New Roman" panose="02020603050405020304" pitchFamily="18" charset="0"/>
+                <a:ea typeface="標楷體" panose="03000509000000000000" pitchFamily="65" charset="-120"/>
+              </a:rPr>
+              <a:t>session</a:t>
+            </a:r>
+            <a:r>
+              <a:rPr lang="zh-TW" altLang="en-US" dirty="0">
+                <a:latin typeface="Times New Roman" panose="02020603050405020304" pitchFamily="18" charset="0"/>
+                <a:ea typeface="標楷體" panose="03000509000000000000" pitchFamily="65" charset="-120"/>
+              </a:rPr>
+              <a:t>。</a:t>
+            </a:r>
+            <a:endParaRPr lang="en-US" altLang="zh-TW" dirty="0">
               <a:latin typeface="Times New Roman" panose="02020603050405020304" pitchFamily="18" charset="0"/>
               <a:ea typeface="標楷體" panose="03000509000000000000" pitchFamily="65" charset="-120"/>
             </a:endParaRPr>
           </a:p>
-        </p:txBody>
-      </p:sp>
-      <p:sp>
-        <p:nvSpPr>
-          <p:cNvPr id="3" name="內容版面配置區 2">
-            <a:extLst>
-              <a:ext uri="{FF2B5EF4-FFF2-40B4-BE49-F238E27FC236}">
-                <a16:creationId xmlns:a16="http://schemas.microsoft.com/office/drawing/2014/main" id="{DE551000-17D1-CA5F-DD7C-52EC55E234DD}"/>
-              </a:ext>
-            </a:extLst>
-          </p:cNvPr>
-          <p:cNvSpPr>
-            <a:spLocks noGrp="1"/>
-          </p:cNvSpPr>
-          <p:nvPr>
-            <p:ph idx="1"/>
-          </p:nvPr>
-        </p:nvSpPr>
-        <p:spPr/>
-        <p:txBody>
-          <a:bodyPr/>
-          <a:lstStyle/>
-          <a:p>
-            <a:endParaRPr lang="zh-TW" altLang="en-US" dirty="0">
+          <a:p>
+            <a:r>
+              <a:rPr lang="zh-TW" altLang="en-US" dirty="0">
+                <a:latin typeface="Times New Roman" panose="02020603050405020304" pitchFamily="18" charset="0"/>
+                <a:ea typeface="標楷體" panose="03000509000000000000" pitchFamily="65" charset="-120"/>
+              </a:rPr>
+              <a:t>沒有建立</a:t>
+            </a:r>
+            <a:r>
+              <a:rPr lang="en-US" altLang="zh-TW" dirty="0">
+                <a:latin typeface="Times New Roman" panose="02020603050405020304" pitchFamily="18" charset="0"/>
+                <a:ea typeface="標楷體" panose="03000509000000000000" pitchFamily="65" charset="-120"/>
+              </a:rPr>
+              <a:t>session</a:t>
+            </a:r>
+            <a:r>
+              <a:rPr lang="zh-TW" altLang="en-US" dirty="0">
+                <a:latin typeface="Times New Roman" panose="02020603050405020304" pitchFamily="18" charset="0"/>
+                <a:ea typeface="標楷體" panose="03000509000000000000" pitchFamily="65" charset="-120"/>
+              </a:rPr>
+              <a:t>則回到</a:t>
+            </a:r>
+            <a:r>
+              <a:rPr lang="en-US" altLang="zh-TW" dirty="0" err="1">
+                <a:latin typeface="Times New Roman" panose="02020603050405020304" pitchFamily="18" charset="0"/>
+                <a:ea typeface="標楷體" panose="03000509000000000000" pitchFamily="65" charset="-120"/>
+              </a:rPr>
+              <a:t>loginpage.php</a:t>
+            </a:r>
+            <a:r>
+              <a:rPr lang="zh-TW" altLang="en-US" dirty="0">
+                <a:latin typeface="Times New Roman" panose="02020603050405020304" pitchFamily="18" charset="0"/>
+                <a:ea typeface="標楷體" panose="03000509000000000000" pitchFamily="65" charset="-120"/>
+              </a:rPr>
+              <a:t>。</a:t>
+            </a:r>
+            <a:endParaRPr lang="en-US" altLang="zh-TW" dirty="0">
               <a:latin typeface="Times New Roman" panose="02020603050405020304" pitchFamily="18" charset="0"/>
               <a:ea typeface="標楷體" panose="03000509000000000000" pitchFamily="65" charset="-120"/>
             </a:endParaRPr>
+          </a:p>
+          <a:p>
+            <a:r>
+              <a:rPr lang="en-US" altLang="zh-TW" dirty="0" err="1">
+                <a:latin typeface="Times New Roman" panose="02020603050405020304" pitchFamily="18" charset="0"/>
+                <a:ea typeface="標楷體" panose="03000509000000000000" pitchFamily="65" charset="-120"/>
+              </a:rPr>
+              <a:t>login,config,logout</a:t>
+            </a:r>
+            <a:r>
+              <a:rPr lang="zh-TW" altLang="en-US" dirty="0">
+                <a:latin typeface="Times New Roman" panose="02020603050405020304" pitchFamily="18" charset="0"/>
+                <a:ea typeface="標楷體" panose="03000509000000000000" pitchFamily="65" charset="-120"/>
+              </a:rPr>
+              <a:t>只有</a:t>
+            </a:r>
+            <a:r>
+              <a:rPr lang="en-US" altLang="zh-TW" dirty="0">
+                <a:latin typeface="Times New Roman" panose="02020603050405020304" pitchFamily="18" charset="0"/>
+                <a:ea typeface="標楷體" panose="03000509000000000000" pitchFamily="65" charset="-120"/>
+              </a:rPr>
+              <a:t>PHP</a:t>
+            </a:r>
+            <a:r>
+              <a:rPr lang="zh-TW" altLang="en-US" dirty="0">
+                <a:latin typeface="Times New Roman" panose="02020603050405020304" pitchFamily="18" charset="0"/>
+                <a:ea typeface="標楷體" panose="03000509000000000000" pitchFamily="65" charset="-120"/>
+              </a:rPr>
+              <a:t>。</a:t>
+            </a:r>
+          </a:p>
+        </p:txBody>
+      </p:sp>
+      <p:sp>
+        <p:nvSpPr>
+          <p:cNvPr id="4" name="文字方塊 3">
+            <a:extLst>
+              <a:ext uri="{FF2B5EF4-FFF2-40B4-BE49-F238E27FC236}">
+                <a16:creationId xmlns:a16="http://schemas.microsoft.com/office/drawing/2014/main" id="{A80E0E0B-2676-58C3-C7D5-680F9CC06776}"/>
+              </a:ext>
+            </a:extLst>
+          </p:cNvPr>
+          <p:cNvSpPr txBox="1"/>
+          <p:nvPr/>
+        </p:nvSpPr>
+        <p:spPr>
+          <a:xfrm>
+            <a:off x="4419601" y="482742"/>
+            <a:ext cx="4948518" cy="246221"/>
+          </a:xfrm>
+          <a:prstGeom prst="rect">
+            <a:avLst/>
+          </a:prstGeom>
+          <a:noFill/>
+        </p:spPr>
+        <p:txBody>
+          <a:bodyPr wrap="square">
+            <a:spAutoFit/>
+          </a:bodyPr>
+          <a:lstStyle/>
+          <a:p>
+            <a:r>
+              <a:rPr lang="zh-TW" altLang="en-US" sz="1000" dirty="0"/>
+              <a:t>https://drive.google.com/file/d/1TToMazW7pfIr_WbNEYuBrU50tl06FLXX/view?usp=sharing</a:t>
+            </a:r>
           </a:p>
         </p:txBody>
       </p:sp>
